--- a/Portfolio project/Catering Company Website Outline Slides.pptx
+++ b/Portfolio project/Catering Company Website Outline Slides.pptx
@@ -3336,7 +3336,6 @@
             <a:pPr algn="ctr"/>
             <a:r>
               <a:rPr lang="en-US" sz="6000" b="1">
-                <a:ln/>
                 <a:gradFill>
                   <a:gsLst>
                     <a:gs pos="0">
@@ -3363,7 +3362,6 @@
               <a:t>Catering Company Website</a:t>
             </a:r>
             <a:endParaRPr lang="en-US" sz="6000" b="1">
-              <a:ln/>
               <a:gradFill>
                 <a:gsLst>
                   <a:gs pos="0">
@@ -11077,11 +11075,7 @@
             </a:r>
             <a:r>
               <a:rPr lang="en-US" b="1"/>
-              <a:t>H</a:t>
-            </a:r>
-            <a:r>
-              <a:rPr lang="en-US" b="1"/>
-              <a:t>ome</a:t>
+              <a:t>Home</a:t>
             </a:r>
             <a:r>
               <a:rPr lang="en-US"/>
@@ -11521,6 +11515,20 @@
                 <a:sym typeface="+mn-ea"/>
               </a:rPr>
               <a:t>https://happycatering.net/</a:t>
+            </a:r>
+            <a:endParaRPr lang="en-US">
+              <a:sym typeface="+mn-ea"/>
+            </a:endParaRPr>
+          </a:p>
+          <a:p>
+            <a:pPr marL="514350" indent="-514350">
+              <a:buAutoNum type="arabicPeriod"/>
+            </a:pPr>
+            <a:r>
+              <a:rPr lang="en-US">
+                <a:sym typeface="+mn-ea"/>
+              </a:rPr>
+              <a:t>https://www.aubergehandfield.com/en</a:t>
             </a:r>
             <a:endParaRPr lang="en-US">
               <a:sym typeface="+mn-ea"/>
